--- a/lesson08/Classes/Classes.pptx
+++ b/lesson08/Classes/Classes.pptx
@@ -5,23 +5,25 @@
     <p:sldMasterId id="2147483648" r:id="rId1"/>
   </p:sldMasterIdLst>
   <p:notesMasterIdLst>
-    <p:notesMasterId r:id="rId16"/>
+    <p:notesMasterId r:id="rId18"/>
   </p:notesMasterIdLst>
   <p:sldIdLst>
     <p:sldId id="256" r:id="rId2"/>
     <p:sldId id="257" r:id="rId3"/>
     <p:sldId id="258" r:id="rId4"/>
-    <p:sldId id="259" r:id="rId5"/>
-    <p:sldId id="260" r:id="rId6"/>
-    <p:sldId id="262" r:id="rId7"/>
-    <p:sldId id="265" r:id="rId8"/>
-    <p:sldId id="264" r:id="rId9"/>
-    <p:sldId id="263" r:id="rId10"/>
-    <p:sldId id="266" r:id="rId11"/>
-    <p:sldId id="509" r:id="rId12"/>
-    <p:sldId id="268" r:id="rId13"/>
-    <p:sldId id="510" r:id="rId14"/>
-    <p:sldId id="267" r:id="rId15"/>
+    <p:sldId id="512" r:id="rId5"/>
+    <p:sldId id="259" r:id="rId6"/>
+    <p:sldId id="260" r:id="rId7"/>
+    <p:sldId id="511" r:id="rId8"/>
+    <p:sldId id="262" r:id="rId9"/>
+    <p:sldId id="265" r:id="rId10"/>
+    <p:sldId id="264" r:id="rId11"/>
+    <p:sldId id="263" r:id="rId12"/>
+    <p:sldId id="266" r:id="rId13"/>
+    <p:sldId id="509" r:id="rId14"/>
+    <p:sldId id="268" r:id="rId15"/>
+    <p:sldId id="510" r:id="rId16"/>
+    <p:sldId id="267" r:id="rId17"/>
   </p:sldIdLst>
   <p:sldSz cx="12192000" cy="6858000"/>
   <p:notesSz cx="6858000" cy="9144000"/>
@@ -210,7 +212,7 @@
           <a:p>
             <a:fld id="{7AE2CED0-0053-4CA5-BBA9-1B4221C85B40}" type="datetimeFigureOut">
               <a:rPr lang="en-US" smtClean="0"/>
-              <a:t>24-Jul-25</a:t>
+              <a:t>8/1/2025</a:t>
             </a:fld>
             <a:endParaRPr lang="en-US"/>
           </a:p>
@@ -571,7 +573,7 @@
           <a:p>
             <a:fld id="{84410795-42AE-41C2-B777-14342A77114C}" type="slidenum">
               <a:rPr lang="en-US" smtClean="0"/>
-              <a:t>4</a:t>
+              <a:t>5</a:t>
             </a:fld>
             <a:endParaRPr lang="en-US"/>
           </a:p>
@@ -655,7 +657,7 @@
           <a:p>
             <a:fld id="{84410795-42AE-41C2-B777-14342A77114C}" type="slidenum">
               <a:rPr lang="en-US" smtClean="0"/>
-              <a:t>7</a:t>
+              <a:t>9</a:t>
             </a:fld>
             <a:endParaRPr lang="en-US"/>
           </a:p>
@@ -739,7 +741,7 @@
           <a:p>
             <a:fld id="{84410795-42AE-41C2-B777-14342A77114C}" type="slidenum">
               <a:rPr lang="en-US" smtClean="0"/>
-              <a:t>9</a:t>
+              <a:t>11</a:t>
             </a:fld>
             <a:endParaRPr lang="en-US"/>
           </a:p>
@@ -830,7 +832,7 @@
           <a:p>
             <a:fld id="{84410795-42AE-41C2-B777-14342A77114C}" type="slidenum">
               <a:rPr lang="en-US" smtClean="0"/>
-              <a:t>10</a:t>
+              <a:t>12</a:t>
             </a:fld>
             <a:endParaRPr lang="en-US"/>
           </a:p>
@@ -938,7 +940,7 @@
           <a:p>
             <a:fld id="{84410795-42AE-41C2-B777-14342A77114C}" type="slidenum">
               <a:rPr lang="en-US" smtClean="0"/>
-              <a:t>14</a:t>
+              <a:t>16</a:t>
             </a:fld>
             <a:endParaRPr lang="en-US"/>
           </a:p>
@@ -1104,7 +1106,7 @@
           <a:p>
             <a:fld id="{0BCBADB4-C04F-4E32-9A86-DF1B5AA91BC6}" type="datetimeFigureOut">
               <a:rPr lang="en-US" smtClean="0"/>
-              <a:t>24-Jul-25</a:t>
+              <a:t>8/1/2025</a:t>
             </a:fld>
             <a:endParaRPr lang="en-US"/>
           </a:p>
@@ -1302,7 +1304,7 @@
           <a:p>
             <a:fld id="{0BCBADB4-C04F-4E32-9A86-DF1B5AA91BC6}" type="datetimeFigureOut">
               <a:rPr lang="en-US" smtClean="0"/>
-              <a:t>24-Jul-25</a:t>
+              <a:t>8/1/2025</a:t>
             </a:fld>
             <a:endParaRPr lang="en-US"/>
           </a:p>
@@ -1510,7 +1512,7 @@
           <a:p>
             <a:fld id="{0BCBADB4-C04F-4E32-9A86-DF1B5AA91BC6}" type="datetimeFigureOut">
               <a:rPr lang="en-US" smtClean="0"/>
-              <a:t>24-Jul-25</a:t>
+              <a:t>8/1/2025</a:t>
             </a:fld>
             <a:endParaRPr lang="en-US"/>
           </a:p>
@@ -1708,7 +1710,7 @@
           <a:p>
             <a:fld id="{0BCBADB4-C04F-4E32-9A86-DF1B5AA91BC6}" type="datetimeFigureOut">
               <a:rPr lang="en-US" smtClean="0"/>
-              <a:t>24-Jul-25</a:t>
+              <a:t>8/1/2025</a:t>
             </a:fld>
             <a:endParaRPr lang="en-US"/>
           </a:p>
@@ -1983,7 +1985,7 @@
           <a:p>
             <a:fld id="{0BCBADB4-C04F-4E32-9A86-DF1B5AA91BC6}" type="datetimeFigureOut">
               <a:rPr lang="en-US" smtClean="0"/>
-              <a:t>24-Jul-25</a:t>
+              <a:t>8/1/2025</a:t>
             </a:fld>
             <a:endParaRPr lang="en-US"/>
           </a:p>
@@ -2248,7 +2250,7 @@
           <a:p>
             <a:fld id="{0BCBADB4-C04F-4E32-9A86-DF1B5AA91BC6}" type="datetimeFigureOut">
               <a:rPr lang="en-US" smtClean="0"/>
-              <a:t>24-Jul-25</a:t>
+              <a:t>8/1/2025</a:t>
             </a:fld>
             <a:endParaRPr lang="en-US"/>
           </a:p>
@@ -2660,7 +2662,7 @@
           <a:p>
             <a:fld id="{0BCBADB4-C04F-4E32-9A86-DF1B5AA91BC6}" type="datetimeFigureOut">
               <a:rPr lang="en-US" smtClean="0"/>
-              <a:t>24-Jul-25</a:t>
+              <a:t>8/1/2025</a:t>
             </a:fld>
             <a:endParaRPr lang="en-US"/>
           </a:p>
@@ -2801,7 +2803,7 @@
           <a:p>
             <a:fld id="{0BCBADB4-C04F-4E32-9A86-DF1B5AA91BC6}" type="datetimeFigureOut">
               <a:rPr lang="en-US" smtClean="0"/>
-              <a:t>24-Jul-25</a:t>
+              <a:t>8/1/2025</a:t>
             </a:fld>
             <a:endParaRPr lang="en-US"/>
           </a:p>
@@ -2914,7 +2916,7 @@
           <a:p>
             <a:fld id="{0BCBADB4-C04F-4E32-9A86-DF1B5AA91BC6}" type="datetimeFigureOut">
               <a:rPr lang="en-US" smtClean="0"/>
-              <a:t>24-Jul-25</a:t>
+              <a:t>8/1/2025</a:t>
             </a:fld>
             <a:endParaRPr lang="en-US"/>
           </a:p>
@@ -3225,7 +3227,7 @@
           <a:p>
             <a:fld id="{0BCBADB4-C04F-4E32-9A86-DF1B5AA91BC6}" type="datetimeFigureOut">
               <a:rPr lang="en-US" smtClean="0"/>
-              <a:t>24-Jul-25</a:t>
+              <a:t>8/1/2025</a:t>
             </a:fld>
             <a:endParaRPr lang="en-US"/>
           </a:p>
@@ -3513,7 +3515,7 @@
           <a:p>
             <a:fld id="{0BCBADB4-C04F-4E32-9A86-DF1B5AA91BC6}" type="datetimeFigureOut">
               <a:rPr lang="en-US" smtClean="0"/>
-              <a:t>24-Jul-25</a:t>
+              <a:t>8/1/2025</a:t>
             </a:fld>
             <a:endParaRPr lang="en-US"/>
           </a:p>
@@ -3754,7 +3756,7 @@
           <a:p>
             <a:fld id="{0BCBADB4-C04F-4E32-9A86-DF1B5AA91BC6}" type="datetimeFigureOut">
               <a:rPr lang="en-US" smtClean="0"/>
-              <a:t>24-Jul-25</a:t>
+              <a:t>8/1/2025</a:t>
             </a:fld>
             <a:endParaRPr lang="en-US"/>
           </a:p>
@@ -4262,6 +4264,319 @@
           <p:cNvPr id="2" name="Title 1">
             <a:extLst>
               <a:ext uri="{FF2B5EF4-FFF2-40B4-BE49-F238E27FC236}">
+                <a16:creationId xmlns:a16="http://schemas.microsoft.com/office/drawing/2014/main" id="{1C6B1057-464D-13F5-77D2-14C4F30AAD75}"/>
+              </a:ext>
+            </a:extLst>
+          </p:cNvPr>
+          <p:cNvSpPr>
+            <a:spLocks noGrp="1"/>
+          </p:cNvSpPr>
+          <p:nvPr>
+            <p:ph type="title"/>
+          </p:nvPr>
+        </p:nvSpPr>
+        <p:spPr/>
+        <p:txBody>
+          <a:bodyPr/>
+          <a:lstStyle/>
+          <a:p>
+            <a:r>
+              <a:rPr lang="en-US" dirty="0"/>
+              <a:t>Hands-On #1</a:t>
+            </a:r>
+          </a:p>
+        </p:txBody>
+      </p:sp>
+      <p:sp>
+        <p:nvSpPr>
+          <p:cNvPr id="3" name="Content Placeholder 2">
+            <a:extLst>
+              <a:ext uri="{FF2B5EF4-FFF2-40B4-BE49-F238E27FC236}">
+                <a16:creationId xmlns:a16="http://schemas.microsoft.com/office/drawing/2014/main" id="{EF5F2B45-D8F3-3403-1AF3-F1CB45707019}"/>
+              </a:ext>
+            </a:extLst>
+          </p:cNvPr>
+          <p:cNvSpPr>
+            <a:spLocks noGrp="1"/>
+          </p:cNvSpPr>
+          <p:nvPr>
+            <p:ph sz="half" idx="1"/>
+          </p:nvPr>
+        </p:nvSpPr>
+        <p:spPr/>
+        <p:txBody>
+          <a:bodyPr/>
+          <a:lstStyle/>
+          <a:p>
+            <a:r>
+              <a:rPr lang="en-US" dirty="0"/>
+              <a:t>Create a Spacecraft class</a:t>
+            </a:r>
+          </a:p>
+        </p:txBody>
+      </p:sp>
+      <p:sp>
+        <p:nvSpPr>
+          <p:cNvPr id="4" name="Content Placeholder 3">
+            <a:extLst>
+              <a:ext uri="{FF2B5EF4-FFF2-40B4-BE49-F238E27FC236}">
+                <a16:creationId xmlns:a16="http://schemas.microsoft.com/office/drawing/2014/main" id="{441B8029-32BC-C3B7-C540-23DEE311CDA4}"/>
+              </a:ext>
+            </a:extLst>
+          </p:cNvPr>
+          <p:cNvSpPr>
+            <a:spLocks noGrp="1"/>
+          </p:cNvSpPr>
+          <p:nvPr>
+            <p:ph sz="half" idx="2"/>
+          </p:nvPr>
+        </p:nvSpPr>
+        <p:spPr/>
+        <p:txBody>
+          <a:bodyPr/>
+          <a:lstStyle/>
+          <a:p>
+            <a:endParaRPr lang="en-US"/>
+          </a:p>
+        </p:txBody>
+      </p:sp>
+    </p:spTree>
+    <p:extLst>
+      <p:ext uri="{BB962C8B-B14F-4D97-AF65-F5344CB8AC3E}">
+        <p14:creationId xmlns:p14="http://schemas.microsoft.com/office/powerpoint/2010/main" val="184941283"/>
+      </p:ext>
+    </p:extLst>
+  </p:cSld>
+  <p:clrMapOvr>
+    <a:masterClrMapping/>
+  </p:clrMapOvr>
+</p:sld>
+</file>
+
+<file path=ppt/slides/slide11.xml><?xml version="1.0" encoding="utf-8"?>
+<p:sld xmlns:a="http://schemas.openxmlformats.org/drawingml/2006/main" xmlns:r="http://schemas.openxmlformats.org/officeDocument/2006/relationships" xmlns:p="http://schemas.openxmlformats.org/presentationml/2006/main">
+  <p:cSld>
+    <p:spTree>
+      <p:nvGrpSpPr>
+        <p:cNvPr id="1" name=""/>
+        <p:cNvGrpSpPr/>
+        <p:nvPr/>
+      </p:nvGrpSpPr>
+      <p:grpSpPr>
+        <a:xfrm>
+          <a:off x="0" y="0"/>
+          <a:ext cx="0" cy="0"/>
+          <a:chOff x="0" y="0"/>
+          <a:chExt cx="0" cy="0"/>
+        </a:xfrm>
+      </p:grpSpPr>
+      <p:sp>
+        <p:nvSpPr>
+          <p:cNvPr id="2" name="Title 1">
+            <a:extLst>
+              <a:ext uri="{FF2B5EF4-FFF2-40B4-BE49-F238E27FC236}">
+                <a16:creationId xmlns:a16="http://schemas.microsoft.com/office/drawing/2014/main" id="{742F0A89-F435-3162-5AE0-0FFC9FF3950D}"/>
+              </a:ext>
+            </a:extLst>
+          </p:cNvPr>
+          <p:cNvSpPr>
+            <a:spLocks noGrp="1"/>
+          </p:cNvSpPr>
+          <p:nvPr>
+            <p:ph type="title"/>
+          </p:nvPr>
+        </p:nvSpPr>
+        <p:spPr/>
+        <p:txBody>
+          <a:bodyPr/>
+          <a:lstStyle/>
+          <a:p>
+            <a:r>
+              <a:rPr lang="en-US" dirty="0"/>
+              <a:t>Polymorphism</a:t>
+            </a:r>
+          </a:p>
+        </p:txBody>
+      </p:sp>
+      <p:sp>
+        <p:nvSpPr>
+          <p:cNvPr id="3" name="Content Placeholder 2">
+            <a:extLst>
+              <a:ext uri="{FF2B5EF4-FFF2-40B4-BE49-F238E27FC236}">
+                <a16:creationId xmlns:a16="http://schemas.microsoft.com/office/drawing/2014/main" id="{B63CEFFC-0BC8-66D7-FE2F-BD012CAD4554}"/>
+              </a:ext>
+            </a:extLst>
+          </p:cNvPr>
+          <p:cNvSpPr>
+            <a:spLocks noGrp="1"/>
+          </p:cNvSpPr>
+          <p:nvPr>
+            <p:ph sz="half" idx="1"/>
+          </p:nvPr>
+        </p:nvSpPr>
+        <p:spPr/>
+        <p:txBody>
+          <a:bodyPr/>
+          <a:lstStyle/>
+          <a:p>
+            <a:r>
+              <a:rPr lang="en-US" dirty="0"/>
+              <a:t>One interface that accepts multiple types</a:t>
+            </a:r>
+          </a:p>
+          <a:p>
+            <a:r>
+              <a:rPr lang="en-US" dirty="0"/>
+              <a:t>Can you think of any that we’ve used?</a:t>
+            </a:r>
+          </a:p>
+          <a:p>
+            <a:endParaRPr lang="en-US" dirty="0"/>
+          </a:p>
+          <a:p>
+            <a:endParaRPr lang="en-US" dirty="0"/>
+          </a:p>
+        </p:txBody>
+      </p:sp>
+      <p:pic>
+        <p:nvPicPr>
+          <p:cNvPr id="8" name="Content Placeholder 7">
+            <a:extLst>
+              <a:ext uri="{FF2B5EF4-FFF2-40B4-BE49-F238E27FC236}">
+                <a16:creationId xmlns:a16="http://schemas.microsoft.com/office/drawing/2014/main" id="{D212F224-256C-C204-6FAB-AA2D96A7E15C}"/>
+              </a:ext>
+            </a:extLst>
+          </p:cNvPr>
+          <p:cNvPicPr>
+            <a:picLocks noGrp="1" noChangeAspect="1"/>
+          </p:cNvPicPr>
+          <p:nvPr>
+            <p:ph sz="half" idx="2"/>
+          </p:nvPr>
+        </p:nvPicPr>
+        <p:blipFill>
+          <a:blip r:embed="rId3"/>
+          <a:stretch>
+            <a:fillRect/>
+          </a:stretch>
+        </p:blipFill>
+        <p:spPr>
+          <a:xfrm>
+            <a:off x="6838149" y="2769120"/>
+            <a:ext cx="3824000" cy="1441837"/>
+          </a:xfrm>
+        </p:spPr>
+      </p:pic>
+    </p:spTree>
+    <p:extLst>
+      <p:ext uri="{BB962C8B-B14F-4D97-AF65-F5344CB8AC3E}">
+        <p14:creationId xmlns:p14="http://schemas.microsoft.com/office/powerpoint/2010/main" val="2756091085"/>
+      </p:ext>
+    </p:extLst>
+  </p:cSld>
+  <p:clrMapOvr>
+    <a:masterClrMapping/>
+  </p:clrMapOvr>
+  <p:timing>
+    <p:tnLst>
+      <p:par>
+        <p:cTn id="1" dur="indefinite" restart="never" nodeType="tmRoot">
+          <p:childTnLst>
+            <p:seq concurrent="1" nextAc="seek">
+              <p:cTn id="2" dur="indefinite" nodeType="mainSeq">
+                <p:childTnLst>
+                  <p:par>
+                    <p:cTn id="3" fill="hold">
+                      <p:stCondLst>
+                        <p:cond delay="indefinite"/>
+                      </p:stCondLst>
+                      <p:childTnLst>
+                        <p:par>
+                          <p:cTn id="4" fill="hold">
+                            <p:stCondLst>
+                              <p:cond delay="0"/>
+                            </p:stCondLst>
+                            <p:childTnLst>
+                              <p:par>
+                                <p:cTn id="5" presetID="1" presetClass="entr" presetSubtype="0" fill="hold" nodeType="clickEffect">
+                                  <p:stCondLst>
+                                    <p:cond delay="0"/>
+                                  </p:stCondLst>
+                                  <p:childTnLst>
+                                    <p:set>
+                                      <p:cBhvr>
+                                        <p:cTn id="6" dur="1" fill="hold">
+                                          <p:stCondLst>
+                                            <p:cond delay="0"/>
+                                          </p:stCondLst>
+                                        </p:cTn>
+                                        <p:tgtEl>
+                                          <p:spTgt spid="8"/>
+                                        </p:tgtEl>
+                                        <p:attrNameLst>
+                                          <p:attrName>style.visibility</p:attrName>
+                                        </p:attrNameLst>
+                                      </p:cBhvr>
+                                      <p:to>
+                                        <p:strVal val="visible"/>
+                                      </p:to>
+                                    </p:set>
+                                  </p:childTnLst>
+                                </p:cTn>
+                              </p:par>
+                            </p:childTnLst>
+                          </p:cTn>
+                        </p:par>
+                      </p:childTnLst>
+                    </p:cTn>
+                  </p:par>
+                </p:childTnLst>
+              </p:cTn>
+              <p:prevCondLst>
+                <p:cond evt="onPrev" delay="0">
+                  <p:tgtEl>
+                    <p:sldTgt/>
+                  </p:tgtEl>
+                </p:cond>
+              </p:prevCondLst>
+              <p:nextCondLst>
+                <p:cond evt="onNext" delay="0">
+                  <p:tgtEl>
+                    <p:sldTgt/>
+                  </p:tgtEl>
+                </p:cond>
+              </p:nextCondLst>
+            </p:seq>
+          </p:childTnLst>
+        </p:cTn>
+      </p:par>
+    </p:tnLst>
+  </p:timing>
+</p:sld>
+</file>
+
+<file path=ppt/slides/slide12.xml><?xml version="1.0" encoding="utf-8"?>
+<p:sld xmlns:a="http://schemas.openxmlformats.org/drawingml/2006/main" xmlns:r="http://schemas.openxmlformats.org/officeDocument/2006/relationships" xmlns:p="http://schemas.openxmlformats.org/presentationml/2006/main">
+  <p:cSld>
+    <p:spTree>
+      <p:nvGrpSpPr>
+        <p:cNvPr id="1" name=""/>
+        <p:cNvGrpSpPr/>
+        <p:nvPr/>
+      </p:nvGrpSpPr>
+      <p:grpSpPr>
+        <a:xfrm>
+          <a:off x="0" y="0"/>
+          <a:ext cx="0" cy="0"/>
+          <a:chOff x="0" y="0"/>
+          <a:chExt cx="0" cy="0"/>
+        </a:xfrm>
+      </p:grpSpPr>
+      <p:sp>
+        <p:nvSpPr>
+          <p:cNvPr id="2" name="Title 1">
+            <a:extLst>
+              <a:ext uri="{FF2B5EF4-FFF2-40B4-BE49-F238E27FC236}">
                 <a16:creationId xmlns:a16="http://schemas.microsoft.com/office/drawing/2014/main" id="{74C7FC6D-A8D9-3E3D-4D63-D0653896D139}"/>
               </a:ext>
             </a:extLst>
@@ -4830,7 +5145,7 @@
 </p:sld>
 </file>
 
-<file path=ppt/slides/slide11.xml><?xml version="1.0" encoding="utf-8"?>
+<file path=ppt/slides/slide13.xml><?xml version="1.0" encoding="utf-8"?>
 <p:sld xmlns:a="http://schemas.openxmlformats.org/drawingml/2006/main" xmlns:r="http://schemas.openxmlformats.org/officeDocument/2006/relationships" xmlns:p="http://schemas.openxmlformats.org/presentationml/2006/main" show="0">
   <p:cSld>
     <p:spTree>
@@ -5157,7 +5472,7 @@
 </p:sld>
 </file>
 
-<file path=ppt/slides/slide12.xml><?xml version="1.0" encoding="utf-8"?>
+<file path=ppt/slides/slide14.xml><?xml version="1.0" encoding="utf-8"?>
 <p:sld xmlns:a="http://schemas.openxmlformats.org/drawingml/2006/main" xmlns:r="http://schemas.openxmlformats.org/officeDocument/2006/relationships" xmlns:p="http://schemas.openxmlformats.org/presentationml/2006/main">
   <p:cSld>
     <p:spTree>
@@ -5268,7 +5583,7 @@
 </p:sld>
 </file>
 
-<file path=ppt/slides/slide13.xml><?xml version="1.0" encoding="utf-8"?>
+<file path=ppt/slides/slide15.xml><?xml version="1.0" encoding="utf-8"?>
 <p:sld xmlns:a="http://schemas.openxmlformats.org/drawingml/2006/main" xmlns:r="http://schemas.openxmlformats.org/officeDocument/2006/relationships" xmlns:p="http://schemas.openxmlformats.org/presentationml/2006/main">
   <p:cSld>
     <p:spTree>
@@ -5385,7 +5700,7 @@
 </p:sld>
 </file>
 
-<file path=ppt/slides/slide14.xml><?xml version="1.0" encoding="utf-8"?>
+<file path=ppt/slides/slide16.xml><?xml version="1.0" encoding="utf-8"?>
 <p:sld xmlns:a="http://schemas.openxmlformats.org/drawingml/2006/main" xmlns:r="http://schemas.openxmlformats.org/officeDocument/2006/relationships" xmlns:p="http://schemas.openxmlformats.org/presentationml/2006/main" show="0">
   <p:cSld>
     <p:spTree>
@@ -5755,6 +6070,89 @@
           <p:cNvPr id="2" name="Title 1">
             <a:extLst>
               <a:ext uri="{FF2B5EF4-FFF2-40B4-BE49-F238E27FC236}">
+                <a16:creationId xmlns:a16="http://schemas.microsoft.com/office/drawing/2014/main" id="{1A7D8565-A38F-1BBF-B2FE-EE4B48370D52}"/>
+              </a:ext>
+            </a:extLst>
+          </p:cNvPr>
+          <p:cNvSpPr>
+            <a:spLocks noGrp="1"/>
+          </p:cNvSpPr>
+          <p:nvPr>
+            <p:ph type="title"/>
+          </p:nvPr>
+        </p:nvSpPr>
+        <p:spPr/>
+        <p:txBody>
+          <a:bodyPr/>
+          <a:lstStyle/>
+          <a:p>
+            <a:r>
+              <a:rPr lang="en-US"/>
+              <a:t>Objects Example</a:t>
+            </a:r>
+          </a:p>
+        </p:txBody>
+      </p:sp>
+      <p:sp>
+        <p:nvSpPr>
+          <p:cNvPr id="3" name="Content Placeholder 2">
+            <a:extLst>
+              <a:ext uri="{FF2B5EF4-FFF2-40B4-BE49-F238E27FC236}">
+                <a16:creationId xmlns:a16="http://schemas.microsoft.com/office/drawing/2014/main" id="{6E753AE7-3FCD-522A-B77C-D2A40D8E7A7D}"/>
+              </a:ext>
+            </a:extLst>
+          </p:cNvPr>
+          <p:cNvSpPr>
+            <a:spLocks noGrp="1"/>
+          </p:cNvSpPr>
+          <p:nvPr>
+            <p:ph idx="1"/>
+          </p:nvPr>
+        </p:nvSpPr>
+        <p:spPr/>
+        <p:txBody>
+          <a:bodyPr/>
+          <a:lstStyle/>
+          <a:p>
+            <a:endParaRPr lang="en-US"/>
+          </a:p>
+        </p:txBody>
+      </p:sp>
+    </p:spTree>
+    <p:extLst>
+      <p:ext uri="{BB962C8B-B14F-4D97-AF65-F5344CB8AC3E}">
+        <p14:creationId xmlns:p14="http://schemas.microsoft.com/office/powerpoint/2010/main" val="3886764980"/>
+      </p:ext>
+    </p:extLst>
+  </p:cSld>
+  <p:clrMapOvr>
+    <a:masterClrMapping/>
+  </p:clrMapOvr>
+</p:sld>
+</file>
+
+<file path=ppt/slides/slide5.xml><?xml version="1.0" encoding="utf-8"?>
+<p:sld xmlns:a="http://schemas.openxmlformats.org/drawingml/2006/main" xmlns:r="http://schemas.openxmlformats.org/officeDocument/2006/relationships" xmlns:p="http://schemas.openxmlformats.org/presentationml/2006/main">
+  <p:cSld>
+    <p:spTree>
+      <p:nvGrpSpPr>
+        <p:cNvPr id="1" name=""/>
+        <p:cNvGrpSpPr/>
+        <p:nvPr/>
+      </p:nvGrpSpPr>
+      <p:grpSpPr>
+        <a:xfrm>
+          <a:off x="0" y="0"/>
+          <a:ext cx="0" cy="0"/>
+          <a:chOff x="0" y="0"/>
+          <a:chExt cx="0" cy="0"/>
+        </a:xfrm>
+      </p:grpSpPr>
+      <p:sp>
+        <p:nvSpPr>
+          <p:cNvPr id="2" name="Title 1">
+            <a:extLst>
+              <a:ext uri="{FF2B5EF4-FFF2-40B4-BE49-F238E27FC236}">
                 <a16:creationId xmlns:a16="http://schemas.microsoft.com/office/drawing/2014/main" id="{C53C2289-3677-E7D2-3D3D-8007E8A4710E}"/>
               </a:ext>
             </a:extLst>
@@ -5863,7 +6261,7 @@
 </p:sld>
 </file>
 
-<file path=ppt/slides/slide5.xml><?xml version="1.0" encoding="utf-8"?>
+<file path=ppt/slides/slide6.xml><?xml version="1.0" encoding="utf-8"?>
 <p:sld xmlns:a="http://schemas.openxmlformats.org/drawingml/2006/main" xmlns:r="http://schemas.openxmlformats.org/officeDocument/2006/relationships" xmlns:p="http://schemas.openxmlformats.org/presentationml/2006/main">
   <p:cSld>
     <p:spTree>
@@ -6012,7 +6410,7 @@
 </p:sld>
 </file>
 
-<file path=ppt/slides/slide6.xml><?xml version="1.0" encoding="utf-8"?>
+<file path=ppt/slides/slide7.xml><?xml version="1.0" encoding="utf-8"?>
 <p:sld xmlns:a="http://schemas.openxmlformats.org/drawingml/2006/main" xmlns:r="http://schemas.openxmlformats.org/officeDocument/2006/relationships" xmlns:p="http://schemas.openxmlformats.org/presentationml/2006/main">
   <p:cSld>
     <p:spTree>
@@ -6034,6 +6432,114 @@
           <p:cNvPr id="2" name="Title 1">
             <a:extLst>
               <a:ext uri="{FF2B5EF4-FFF2-40B4-BE49-F238E27FC236}">
+                <a16:creationId xmlns:a16="http://schemas.microsoft.com/office/drawing/2014/main" id="{79E41F67-2A90-22AB-D79B-CF73D5BB0DCD}"/>
+              </a:ext>
+            </a:extLst>
+          </p:cNvPr>
+          <p:cNvSpPr>
+            <a:spLocks noGrp="1"/>
+          </p:cNvSpPr>
+          <p:nvPr>
+            <p:ph type="title"/>
+          </p:nvPr>
+        </p:nvSpPr>
+        <p:spPr/>
+        <p:txBody>
+          <a:bodyPr/>
+          <a:lstStyle/>
+          <a:p>
+            <a:r>
+              <a:rPr lang="en-US" dirty="0"/>
+              <a:t>RPS Example</a:t>
+            </a:r>
+          </a:p>
+        </p:txBody>
+      </p:sp>
+      <p:sp>
+        <p:nvSpPr>
+          <p:cNvPr id="3" name="Content Placeholder 2">
+            <a:extLst>
+              <a:ext uri="{FF2B5EF4-FFF2-40B4-BE49-F238E27FC236}">
+                <a16:creationId xmlns:a16="http://schemas.microsoft.com/office/drawing/2014/main" id="{FC900675-9CED-421A-857E-2F1308B39538}"/>
+              </a:ext>
+            </a:extLst>
+          </p:cNvPr>
+          <p:cNvSpPr>
+            <a:spLocks noGrp="1"/>
+          </p:cNvSpPr>
+          <p:nvPr>
+            <p:ph sz="half" idx="1"/>
+          </p:nvPr>
+        </p:nvSpPr>
+        <p:spPr/>
+        <p:txBody>
+          <a:bodyPr/>
+          <a:lstStyle/>
+          <a:p>
+            <a:endParaRPr lang="en-US"/>
+          </a:p>
+        </p:txBody>
+      </p:sp>
+      <p:sp>
+        <p:nvSpPr>
+          <p:cNvPr id="4" name="Content Placeholder 3">
+            <a:extLst>
+              <a:ext uri="{FF2B5EF4-FFF2-40B4-BE49-F238E27FC236}">
+                <a16:creationId xmlns:a16="http://schemas.microsoft.com/office/drawing/2014/main" id="{2E91DC54-2DDA-FDAC-D170-3BDB7FE972B0}"/>
+              </a:ext>
+            </a:extLst>
+          </p:cNvPr>
+          <p:cNvSpPr>
+            <a:spLocks noGrp="1"/>
+          </p:cNvSpPr>
+          <p:nvPr>
+            <p:ph sz="half" idx="2"/>
+          </p:nvPr>
+        </p:nvSpPr>
+        <p:spPr/>
+        <p:txBody>
+          <a:bodyPr/>
+          <a:lstStyle/>
+          <a:p>
+            <a:endParaRPr lang="en-US"/>
+          </a:p>
+        </p:txBody>
+      </p:sp>
+    </p:spTree>
+    <p:extLst>
+      <p:ext uri="{BB962C8B-B14F-4D97-AF65-F5344CB8AC3E}">
+        <p14:creationId xmlns:p14="http://schemas.microsoft.com/office/powerpoint/2010/main" val="269499035"/>
+      </p:ext>
+    </p:extLst>
+  </p:cSld>
+  <p:clrMapOvr>
+    <a:masterClrMapping/>
+  </p:clrMapOvr>
+</p:sld>
+</file>
+
+<file path=ppt/slides/slide8.xml><?xml version="1.0" encoding="utf-8"?>
+<p:sld xmlns:a="http://schemas.openxmlformats.org/drawingml/2006/main" xmlns:r="http://schemas.openxmlformats.org/officeDocument/2006/relationships" xmlns:p="http://schemas.openxmlformats.org/presentationml/2006/main">
+  <p:cSld>
+    <p:spTree>
+      <p:nvGrpSpPr>
+        <p:cNvPr id="1" name=""/>
+        <p:cNvGrpSpPr/>
+        <p:nvPr/>
+      </p:nvGrpSpPr>
+      <p:grpSpPr>
+        <a:xfrm>
+          <a:off x="0" y="0"/>
+          <a:ext cx="0" cy="0"/>
+          <a:chOff x="0" y="0"/>
+          <a:chExt cx="0" cy="0"/>
+        </a:xfrm>
+      </p:grpSpPr>
+      <p:sp>
+        <p:nvSpPr>
+          <p:cNvPr id="2" name="Title 1">
+            <a:extLst>
+              <a:ext uri="{FF2B5EF4-FFF2-40B4-BE49-F238E27FC236}">
                 <a16:creationId xmlns:a16="http://schemas.microsoft.com/office/drawing/2014/main" id="{1297A3C6-E251-3490-C61A-40103F43D04B}"/>
               </a:ext>
             </a:extLst>
@@ -6052,7 +6558,7 @@
           <a:p>
             <a:r>
               <a:rPr lang="en-US" dirty="0"/>
-              <a:t>Class properties</a:t>
+              <a:t>Class attributes</a:t>
             </a:r>
           </a:p>
         </p:txBody>
@@ -6084,7 +6590,7 @@
             </a:r>
             <a:r>
               <a:rPr lang="en-US" dirty="0"/>
-              <a:t> can have their own properties and methods</a:t>
+              <a:t> can have their own attributes and methods</a:t>
             </a:r>
           </a:p>
           <a:p>
@@ -6150,268 +6656,6 @@
 </p:sld>
 </file>
 
-<file path=ppt/slides/slide7.xml><?xml version="1.0" encoding="utf-8"?>
-<p:sld xmlns:a="http://schemas.openxmlformats.org/drawingml/2006/main" xmlns:r="http://schemas.openxmlformats.org/officeDocument/2006/relationships" xmlns:p="http://schemas.openxmlformats.org/presentationml/2006/main">
-  <p:cSld>
-    <p:spTree>
-      <p:nvGrpSpPr>
-        <p:cNvPr id="1" name=""/>
-        <p:cNvGrpSpPr/>
-        <p:nvPr/>
-      </p:nvGrpSpPr>
-      <p:grpSpPr>
-        <a:xfrm>
-          <a:off x="0" y="0"/>
-          <a:ext cx="0" cy="0"/>
-          <a:chOff x="0" y="0"/>
-          <a:chExt cx="0" cy="0"/>
-        </a:xfrm>
-      </p:grpSpPr>
-      <p:sp>
-        <p:nvSpPr>
-          <p:cNvPr id="2" name="Title 1">
-            <a:extLst>
-              <a:ext uri="{FF2B5EF4-FFF2-40B4-BE49-F238E27FC236}">
-                <a16:creationId xmlns:a16="http://schemas.microsoft.com/office/drawing/2014/main" id="{D6738945-85EB-E3BF-A59F-DAF782566268}"/>
-              </a:ext>
-            </a:extLst>
-          </p:cNvPr>
-          <p:cNvSpPr>
-            <a:spLocks noGrp="1"/>
-          </p:cNvSpPr>
-          <p:nvPr>
-            <p:ph type="title"/>
-          </p:nvPr>
-        </p:nvSpPr>
-        <p:spPr/>
-        <p:txBody>
-          <a:bodyPr/>
-          <a:lstStyle/>
-          <a:p>
-            <a:r>
-              <a:rPr lang="en-US" dirty="0"/>
-              <a:t>Other </a:t>
-            </a:r>
-            <a:r>
-              <a:rPr lang="en-US" dirty="0" err="1"/>
-              <a:t>other</a:t>
-            </a:r>
-            <a:r>
-              <a:rPr lang="en-US" dirty="0"/>
-              <a:t> class ideas</a:t>
-            </a:r>
-          </a:p>
-        </p:txBody>
-      </p:sp>
-      <p:sp>
-        <p:nvSpPr>
-          <p:cNvPr id="3" name="Content Placeholder 2">
-            <a:extLst>
-              <a:ext uri="{FF2B5EF4-FFF2-40B4-BE49-F238E27FC236}">
-                <a16:creationId xmlns:a16="http://schemas.microsoft.com/office/drawing/2014/main" id="{E3B1BBE0-AC32-50E8-7E8A-3D053049FE6A}"/>
-              </a:ext>
-            </a:extLst>
-          </p:cNvPr>
-          <p:cNvSpPr>
-            <a:spLocks noGrp="1"/>
-          </p:cNvSpPr>
-          <p:nvPr>
-            <p:ph sz="half" idx="1"/>
-          </p:nvPr>
-        </p:nvSpPr>
-        <p:spPr/>
-        <p:txBody>
-          <a:bodyPr/>
-          <a:lstStyle/>
-          <a:p>
-            <a:r>
-              <a:rPr lang="en-US" dirty="0"/>
-              <a:t>The type of a class is type class</a:t>
-            </a:r>
-          </a:p>
-          <a:p>
-            <a:r>
-              <a:rPr lang="en-US" dirty="0"/>
-              <a:t>The type of an object is class name</a:t>
-            </a:r>
-          </a:p>
-          <a:p>
-            <a:endParaRPr lang="en-US" dirty="0"/>
-          </a:p>
-          <a:p>
-            <a:r>
-              <a:rPr lang="en-US" dirty="0"/>
-              <a:t>See object’s options using </a:t>
-            </a:r>
-            <a:r>
-              <a:rPr lang="en-US" dirty="0" err="1"/>
-              <a:t>dir</a:t>
-            </a:r>
-            <a:r>
-              <a:rPr lang="en-US" dirty="0"/>
-              <a:t>()</a:t>
-            </a:r>
-          </a:p>
-          <a:p>
-            <a:endParaRPr lang="en-US" dirty="0"/>
-          </a:p>
-          <a:p>
-            <a:r>
-              <a:rPr lang="en-US" dirty="0"/>
-              <a:t>By convention, things with ‘__’ or ‘_’ are not to be used outside the class</a:t>
-            </a:r>
-          </a:p>
-        </p:txBody>
-      </p:sp>
-      <p:sp>
-        <p:nvSpPr>
-          <p:cNvPr id="4" name="Content Placeholder 3">
-            <a:extLst>
-              <a:ext uri="{FF2B5EF4-FFF2-40B4-BE49-F238E27FC236}">
-                <a16:creationId xmlns:a16="http://schemas.microsoft.com/office/drawing/2014/main" id="{C9258008-51D0-602F-0769-50A15B48A344}"/>
-              </a:ext>
-            </a:extLst>
-          </p:cNvPr>
-          <p:cNvSpPr>
-            <a:spLocks noGrp="1"/>
-          </p:cNvSpPr>
-          <p:nvPr>
-            <p:ph sz="half" idx="2"/>
-          </p:nvPr>
-        </p:nvSpPr>
-        <p:spPr/>
-        <p:txBody>
-          <a:bodyPr/>
-          <a:lstStyle/>
-          <a:p>
-            <a:endParaRPr lang="en-US"/>
-          </a:p>
-        </p:txBody>
-      </p:sp>
-    </p:spTree>
-    <p:extLst>
-      <p:ext uri="{BB962C8B-B14F-4D97-AF65-F5344CB8AC3E}">
-        <p14:creationId xmlns:p14="http://schemas.microsoft.com/office/powerpoint/2010/main" val="4271478167"/>
-      </p:ext>
-    </p:extLst>
-  </p:cSld>
-  <p:clrMapOvr>
-    <a:masterClrMapping/>
-  </p:clrMapOvr>
-</p:sld>
-</file>
-
-<file path=ppt/slides/slide8.xml><?xml version="1.0" encoding="utf-8"?>
-<p:sld xmlns:a="http://schemas.openxmlformats.org/drawingml/2006/main" xmlns:r="http://schemas.openxmlformats.org/officeDocument/2006/relationships" xmlns:p="http://schemas.openxmlformats.org/presentationml/2006/main">
-  <p:cSld>
-    <p:spTree>
-      <p:nvGrpSpPr>
-        <p:cNvPr id="1" name=""/>
-        <p:cNvGrpSpPr/>
-        <p:nvPr/>
-      </p:nvGrpSpPr>
-      <p:grpSpPr>
-        <a:xfrm>
-          <a:off x="0" y="0"/>
-          <a:ext cx="0" cy="0"/>
-          <a:chOff x="0" y="0"/>
-          <a:chExt cx="0" cy="0"/>
-        </a:xfrm>
-      </p:grpSpPr>
-      <p:sp>
-        <p:nvSpPr>
-          <p:cNvPr id="2" name="Title 1">
-            <a:extLst>
-              <a:ext uri="{FF2B5EF4-FFF2-40B4-BE49-F238E27FC236}">
-                <a16:creationId xmlns:a16="http://schemas.microsoft.com/office/drawing/2014/main" id="{1C6B1057-464D-13F5-77D2-14C4F30AAD75}"/>
-              </a:ext>
-            </a:extLst>
-          </p:cNvPr>
-          <p:cNvSpPr>
-            <a:spLocks noGrp="1"/>
-          </p:cNvSpPr>
-          <p:nvPr>
-            <p:ph type="title"/>
-          </p:nvPr>
-        </p:nvSpPr>
-        <p:spPr/>
-        <p:txBody>
-          <a:bodyPr/>
-          <a:lstStyle/>
-          <a:p>
-            <a:r>
-              <a:rPr lang="en-US" dirty="0"/>
-              <a:t>Hands-On #1</a:t>
-            </a:r>
-          </a:p>
-        </p:txBody>
-      </p:sp>
-      <p:sp>
-        <p:nvSpPr>
-          <p:cNvPr id="3" name="Content Placeholder 2">
-            <a:extLst>
-              <a:ext uri="{FF2B5EF4-FFF2-40B4-BE49-F238E27FC236}">
-                <a16:creationId xmlns:a16="http://schemas.microsoft.com/office/drawing/2014/main" id="{EF5F2B45-D8F3-3403-1AF3-F1CB45707019}"/>
-              </a:ext>
-            </a:extLst>
-          </p:cNvPr>
-          <p:cNvSpPr>
-            <a:spLocks noGrp="1"/>
-          </p:cNvSpPr>
-          <p:nvPr>
-            <p:ph sz="half" idx="1"/>
-          </p:nvPr>
-        </p:nvSpPr>
-        <p:spPr/>
-        <p:txBody>
-          <a:bodyPr/>
-          <a:lstStyle/>
-          <a:p>
-            <a:r>
-              <a:rPr lang="en-US" dirty="0"/>
-              <a:t>Create a Spacecraft class</a:t>
-            </a:r>
-          </a:p>
-        </p:txBody>
-      </p:sp>
-      <p:sp>
-        <p:nvSpPr>
-          <p:cNvPr id="4" name="Content Placeholder 3">
-            <a:extLst>
-              <a:ext uri="{FF2B5EF4-FFF2-40B4-BE49-F238E27FC236}">
-                <a16:creationId xmlns:a16="http://schemas.microsoft.com/office/drawing/2014/main" id="{441B8029-32BC-C3B7-C540-23DEE311CDA4}"/>
-              </a:ext>
-            </a:extLst>
-          </p:cNvPr>
-          <p:cNvSpPr>
-            <a:spLocks noGrp="1"/>
-          </p:cNvSpPr>
-          <p:nvPr>
-            <p:ph sz="half" idx="2"/>
-          </p:nvPr>
-        </p:nvSpPr>
-        <p:spPr/>
-        <p:txBody>
-          <a:bodyPr/>
-          <a:lstStyle/>
-          <a:p>
-            <a:endParaRPr lang="en-US"/>
-          </a:p>
-        </p:txBody>
-      </p:sp>
-    </p:spTree>
-    <p:extLst>
-      <p:ext uri="{BB962C8B-B14F-4D97-AF65-F5344CB8AC3E}">
-        <p14:creationId xmlns:p14="http://schemas.microsoft.com/office/powerpoint/2010/main" val="184941283"/>
-      </p:ext>
-    </p:extLst>
-  </p:cSld>
-  <p:clrMapOvr>
-    <a:masterClrMapping/>
-  </p:clrMapOvr>
-</p:sld>
-</file>
-
 <file path=ppt/slides/slide9.xml><?xml version="1.0" encoding="utf-8"?>
 <p:sld xmlns:a="http://schemas.openxmlformats.org/drawingml/2006/main" xmlns:r="http://schemas.openxmlformats.org/officeDocument/2006/relationships" xmlns:p="http://schemas.openxmlformats.org/presentationml/2006/main">
   <p:cSld>
@@ -6434,7 +6678,7 @@
           <p:cNvPr id="2" name="Title 1">
             <a:extLst>
               <a:ext uri="{FF2B5EF4-FFF2-40B4-BE49-F238E27FC236}">
-                <a16:creationId xmlns:a16="http://schemas.microsoft.com/office/drawing/2014/main" id="{742F0A89-F435-3162-5AE0-0FFC9FF3950D}"/>
+                <a16:creationId xmlns:a16="http://schemas.microsoft.com/office/drawing/2014/main" id="{D6738945-85EB-E3BF-A59F-DAF782566268}"/>
               </a:ext>
             </a:extLst>
           </p:cNvPr>
@@ -6452,7 +6696,15 @@
           <a:p>
             <a:r>
               <a:rPr lang="en-US" dirty="0"/>
-              <a:t>Polymorphism</a:t>
+              <a:t>Other </a:t>
+            </a:r>
+            <a:r>
+              <a:rPr lang="en-US" dirty="0" err="1"/>
+              <a:t>other</a:t>
+            </a:r>
+            <a:r>
+              <a:rPr lang="en-US" dirty="0"/>
+              <a:t> class ideas</a:t>
             </a:r>
           </a:p>
         </p:txBody>
@@ -6462,7 +6714,7 @@
           <p:cNvPr id="3" name="Content Placeholder 2">
             <a:extLst>
               <a:ext uri="{FF2B5EF4-FFF2-40B4-BE49-F238E27FC236}">
-                <a16:creationId xmlns:a16="http://schemas.microsoft.com/office/drawing/2014/main" id="{B63CEFFC-0BC8-66D7-FE2F-BD012CAD4554}"/>
+                <a16:creationId xmlns:a16="http://schemas.microsoft.com/office/drawing/2014/main" id="{E3B1BBE0-AC32-50E8-7E8A-3D053049FE6A}"/>
               </a:ext>
             </a:extLst>
           </p:cNvPr>
@@ -6480,137 +6732,78 @@
           <a:p>
             <a:r>
               <a:rPr lang="en-US" dirty="0"/>
-              <a:t>One interface that accepts multiple types</a:t>
-            </a:r>
-          </a:p>
-          <a:p>
-            <a:r>
-              <a:rPr lang="en-US" dirty="0"/>
-              <a:t>Can you think of any that we’ve used?</a:t>
+              <a:t>The type of a class is type class</a:t>
+            </a:r>
+          </a:p>
+          <a:p>
+            <a:r>
+              <a:rPr lang="en-US" dirty="0"/>
+              <a:t>The type of an object is class name</a:t>
             </a:r>
           </a:p>
           <a:p>
             <a:endParaRPr lang="en-US" dirty="0"/>
           </a:p>
           <a:p>
+            <a:r>
+              <a:rPr lang="en-US" dirty="0"/>
+              <a:t>See object’s options using </a:t>
+            </a:r>
+            <a:r>
+              <a:rPr lang="en-US" dirty="0" err="1"/>
+              <a:t>dir</a:t>
+            </a:r>
+            <a:r>
+              <a:rPr lang="en-US" dirty="0"/>
+              <a:t>()</a:t>
+            </a:r>
+          </a:p>
+          <a:p>
             <a:endParaRPr lang="en-US" dirty="0"/>
           </a:p>
-        </p:txBody>
-      </p:sp>
-      <p:pic>
-        <p:nvPicPr>
-          <p:cNvPr id="8" name="Content Placeholder 7">
-            <a:extLst>
-              <a:ext uri="{FF2B5EF4-FFF2-40B4-BE49-F238E27FC236}">
-                <a16:creationId xmlns:a16="http://schemas.microsoft.com/office/drawing/2014/main" id="{D212F224-256C-C204-6FAB-AA2D96A7E15C}"/>
-              </a:ext>
-            </a:extLst>
-          </p:cNvPr>
-          <p:cNvPicPr>
-            <a:picLocks noGrp="1" noChangeAspect="1"/>
-          </p:cNvPicPr>
+          <a:p>
+            <a:r>
+              <a:rPr lang="en-US" dirty="0"/>
+              <a:t>By convention, things with ‘__’ or ‘_’ are not to be used outside the class</a:t>
+            </a:r>
+          </a:p>
+        </p:txBody>
+      </p:sp>
+      <p:sp>
+        <p:nvSpPr>
+          <p:cNvPr id="4" name="Content Placeholder 3">
+            <a:extLst>
+              <a:ext uri="{FF2B5EF4-FFF2-40B4-BE49-F238E27FC236}">
+                <a16:creationId xmlns:a16="http://schemas.microsoft.com/office/drawing/2014/main" id="{C9258008-51D0-602F-0769-50A15B48A344}"/>
+              </a:ext>
+            </a:extLst>
+          </p:cNvPr>
+          <p:cNvSpPr>
+            <a:spLocks noGrp="1"/>
+          </p:cNvSpPr>
           <p:nvPr>
             <p:ph sz="half" idx="2"/>
           </p:nvPr>
-        </p:nvPicPr>
-        <p:blipFill>
-          <a:blip r:embed="rId3"/>
-          <a:stretch>
-            <a:fillRect/>
-          </a:stretch>
-        </p:blipFill>
-        <p:spPr>
-          <a:xfrm>
-            <a:off x="6838149" y="2769120"/>
-            <a:ext cx="3824000" cy="1441837"/>
-          </a:xfrm>
-        </p:spPr>
-      </p:pic>
+        </p:nvSpPr>
+        <p:spPr/>
+        <p:txBody>
+          <a:bodyPr/>
+          <a:lstStyle/>
+          <a:p>
+            <a:endParaRPr lang="en-US"/>
+          </a:p>
+        </p:txBody>
+      </p:sp>
     </p:spTree>
     <p:extLst>
       <p:ext uri="{BB962C8B-B14F-4D97-AF65-F5344CB8AC3E}">
-        <p14:creationId xmlns:p14="http://schemas.microsoft.com/office/powerpoint/2010/main" val="2756091085"/>
+        <p14:creationId xmlns:p14="http://schemas.microsoft.com/office/powerpoint/2010/main" val="4271478167"/>
       </p:ext>
     </p:extLst>
   </p:cSld>
   <p:clrMapOvr>
     <a:masterClrMapping/>
   </p:clrMapOvr>
-  <p:timing>
-    <p:tnLst>
-      <p:par>
-        <p:cTn id="1" dur="indefinite" restart="never" nodeType="tmRoot">
-          <p:childTnLst>
-            <p:seq concurrent="1" nextAc="seek">
-              <p:cTn id="2" dur="indefinite" nodeType="mainSeq">
-                <p:childTnLst>
-                  <p:par>
-                    <p:cTn id="3" fill="hold">
-                      <p:stCondLst>
-                        <p:cond delay="indefinite"/>
-                      </p:stCondLst>
-                      <p:childTnLst>
-                        <p:par>
-                          <p:cTn id="4" fill="hold">
-                            <p:stCondLst>
-                              <p:cond delay="0"/>
-                            </p:stCondLst>
-                            <p:childTnLst>
-                              <p:par>
-                                <p:cTn id="5" presetID="1" presetClass="entr" presetSubtype="0" fill="hold" nodeType="clickEffect">
-                                  <p:stCondLst>
-                                    <p:cond delay="0"/>
-                                  </p:stCondLst>
-                                  <p:childTnLst>
-                                    <p:set>
-                                      <p:cBhvr>
-                                        <p:cTn id="6" dur="1" fill="hold">
-                                          <p:stCondLst>
-                                            <p:cond delay="0"/>
-                                          </p:stCondLst>
-                                        </p:cTn>
-                                        <p:tgtEl>
-                                          <p:spTgt spid="8"/>
-                                        </p:tgtEl>
-                                        <p:attrNameLst>
-                                          <p:attrName>style.visibility</p:attrName>
-                                        </p:attrNameLst>
-                                      </p:cBhvr>
-                                      <p:to>
-                                        <p:strVal val="visible"/>
-                                      </p:to>
-                                    </p:set>
-                                  </p:childTnLst>
-                                </p:cTn>
-                              </p:par>
-                            </p:childTnLst>
-                          </p:cTn>
-                        </p:par>
-                      </p:childTnLst>
-                    </p:cTn>
-                  </p:par>
-                </p:childTnLst>
-              </p:cTn>
-              <p:prevCondLst>
-                <p:cond evt="onPrev" delay="0">
-                  <p:tgtEl>
-                    <p:sldTgt/>
-                  </p:tgtEl>
-                </p:cond>
-              </p:prevCondLst>
-              <p:nextCondLst>
-                <p:cond evt="onNext" delay="0">
-                  <p:tgtEl>
-                    <p:sldTgt/>
-                  </p:tgtEl>
-                </p:cond>
-              </p:nextCondLst>
-            </p:seq>
-          </p:childTnLst>
-        </p:cTn>
-      </p:par>
-    </p:tnLst>
-  </p:timing>
 </p:sld>
 </file>
 
